--- a/stavroula_enhanced/Σχεδιασμός μιας Ανθρωποκεντρικής Εκστρατείας Ευαισθητοποίησης για την Κυβερνοασφάλεια (Awareness Campaign).pptx
+++ b/stavroula_enhanced/Σχεδιασμός μιας Ανθρωποκεντρικής Εκστρατείας Ευαισθητοποίησης για την Κυβερνοασφάλεια (Awareness Campaign).pptx
@@ -8746,7 +8746,15 @@
         <a:p>
           <a:r>
             <a:rPr lang="en-US" dirty="0"/>
-            <a:t>Phishing, weak passwords, unsafe online behavior</a:t>
+            <a:t>Phishing, weak passwords, unsafe online</a:t>
+          </a:r>
+          <a:r>
+            <a:rPr lang="el-GR" dirty="0"/>
+            <a:t>/</a:t>
+          </a:r>
+          <a:r>
+            <a:rPr lang="en-US" dirty="0"/>
+            <a:t>offline behavior</a:t>
           </a:r>
         </a:p>
       </dgm:t>
@@ -12714,7 +12722,15 @@
           </a:pPr>
           <a:r>
             <a:rPr lang="en-US" sz="1600" kern="1200" dirty="0"/>
-            <a:t>Phishing, weak passwords, unsafe online behavior</a:t>
+            <a:t>Phishing, weak passwords, unsafe online</a:t>
+          </a:r>
+          <a:r>
+            <a:rPr lang="el-GR" sz="1600" kern="1200" dirty="0"/>
+            <a:t>/</a:t>
+          </a:r>
+          <a:r>
+            <a:rPr lang="en-US" sz="1600" kern="1200" dirty="0"/>
+            <a:t>offline behavior</a:t>
           </a:r>
         </a:p>
       </dsp:txBody>
@@ -29695,7 +29711,7 @@
           <a:p>
             <a:fld id="{5BCAD085-E8A6-8845-BD4E-CB4CCA059FC4}" type="datetimeFigureOut">
               <a:rPr lang="en-US" smtClean="0"/>
-              <a:t>2/6/2025</a:t>
+              <a:t>2/12/2025</a:t>
             </a:fld>
             <a:endParaRPr lang="en-US"/>
           </a:p>
@@ -29875,7 +29891,7 @@
           <a:p>
             <a:fld id="{5BCAD085-E8A6-8845-BD4E-CB4CCA059FC4}" type="datetimeFigureOut">
               <a:rPr lang="en-US" smtClean="0"/>
-              <a:t>2/6/2025</a:t>
+              <a:t>2/12/2025</a:t>
             </a:fld>
             <a:endParaRPr lang="en-US"/>
           </a:p>
@@ -30059,7 +30075,7 @@
           <a:p>
             <a:fld id="{5BCAD085-E8A6-8845-BD4E-CB4CCA059FC4}" type="datetimeFigureOut">
               <a:rPr lang="en-US" smtClean="0"/>
-              <a:t>2/6/2025</a:t>
+              <a:t>2/12/2025</a:t>
             </a:fld>
             <a:endParaRPr lang="en-US"/>
           </a:p>
@@ -30229,7 +30245,7 @@
           <a:p>
             <a:fld id="{5BCAD085-E8A6-8845-BD4E-CB4CCA059FC4}" type="datetimeFigureOut">
               <a:rPr lang="en-US" smtClean="0"/>
-              <a:t>2/6/2025</a:t>
+              <a:t>2/12/2025</a:t>
             </a:fld>
             <a:endParaRPr lang="en-US"/>
           </a:p>
@@ -30477,7 +30493,7 @@
           <a:p>
             <a:fld id="{5BCAD085-E8A6-8845-BD4E-CB4CCA059FC4}" type="datetimeFigureOut">
               <a:rPr lang="en-US" smtClean="0"/>
-              <a:t>2/6/2025</a:t>
+              <a:t>2/12/2025</a:t>
             </a:fld>
             <a:endParaRPr lang="en-US"/>
           </a:p>
@@ -30714,7 +30730,7 @@
           <a:p>
             <a:fld id="{5BCAD085-E8A6-8845-BD4E-CB4CCA059FC4}" type="datetimeFigureOut">
               <a:rPr lang="en-US" smtClean="0"/>
-              <a:t>2/6/2025</a:t>
+              <a:t>2/12/2025</a:t>
             </a:fld>
             <a:endParaRPr lang="en-US"/>
           </a:p>
@@ -31099,7 +31115,7 @@
           <a:p>
             <a:fld id="{5BCAD085-E8A6-8845-BD4E-CB4CCA059FC4}" type="datetimeFigureOut">
               <a:rPr lang="en-US" smtClean="0"/>
-              <a:t>2/6/2025</a:t>
+              <a:t>2/12/2025</a:t>
             </a:fld>
             <a:endParaRPr lang="en-US"/>
           </a:p>
@@ -31217,7 +31233,7 @@
           <a:p>
             <a:fld id="{5BCAD085-E8A6-8845-BD4E-CB4CCA059FC4}" type="datetimeFigureOut">
               <a:rPr lang="en-US" smtClean="0"/>
-              <a:t>2/6/2025</a:t>
+              <a:t>2/12/2025</a:t>
             </a:fld>
             <a:endParaRPr lang="en-US"/>
           </a:p>
@@ -31312,7 +31328,7 @@
           <a:p>
             <a:fld id="{5BCAD085-E8A6-8845-BD4E-CB4CCA059FC4}" type="datetimeFigureOut">
               <a:rPr lang="en-US" smtClean="0"/>
-              <a:t>2/6/2025</a:t>
+              <a:t>2/12/2025</a:t>
             </a:fld>
             <a:endParaRPr lang="en-US"/>
           </a:p>
@@ -31565,7 +31581,7 @@
           <a:p>
             <a:fld id="{5BCAD085-E8A6-8845-BD4E-CB4CCA059FC4}" type="datetimeFigureOut">
               <a:rPr lang="en-US" smtClean="0"/>
-              <a:t>2/6/2025</a:t>
+              <a:t>2/12/2025</a:t>
             </a:fld>
             <a:endParaRPr lang="en-US"/>
           </a:p>
@@ -31960,7 +31976,7 @@
           <a:p>
             <a:fld id="{5BCAD085-E8A6-8845-BD4E-CB4CCA059FC4}" type="datetimeFigureOut">
               <a:rPr lang="en-US" smtClean="0"/>
-              <a:t>2/6/2025</a:t>
+              <a:t>2/12/2025</a:t>
             </a:fld>
             <a:endParaRPr lang="en-US"/>
           </a:p>
@@ -32258,7 +32274,7 @@
           <a:p>
             <a:fld id="{5BCAD085-E8A6-8845-BD4E-CB4CCA059FC4}" type="datetimeFigureOut">
               <a:rPr lang="en-US" smtClean="0"/>
-              <a:t>2/6/2025</a:t>
+              <a:t>2/12/2025</a:t>
             </a:fld>
             <a:endParaRPr lang="en-US"/>
           </a:p>
@@ -33381,6 +33397,7 @@
           <a:lstStyle/>
           <a:p>
             <a:r>
+              <a:rPr dirty="0"/>
               <a:t>Target Audience</a:t>
             </a:r>
           </a:p>
@@ -33402,7 +33419,7 @@
             <p:ph idx="1"/>
             <p:extLst>
               <p:ext uri="{D42A27DB-BD31-4B8C-83A1-F6EECF244321}">
-                <p14:modId xmlns:p14="http://schemas.microsoft.com/office/powerpoint/2010/main" val="1186229698"/>
+                <p14:modId xmlns:p14="http://schemas.microsoft.com/office/powerpoint/2010/main" val="1260926942"/>
               </p:ext>
             </p:extLst>
           </p:nvPr>
